--- a/ppt 16-9/0848.完全献上.pptx
+++ b/ppt 16-9/0848.完全献上.pptx
@@ -129,7 +129,7 @@
           <p:cNvPr id="2" name="标题 1">
             <a:extLst>
               <a:ext uri="{FF2B5EF4-FFF2-40B4-BE49-F238E27FC236}">
-                <a16:creationId xmlns:a16="http://schemas.microsoft.com/office/drawing/2014/main" id="{2468991E-72E2-07F1-D1AD-2FEF2C9A242D}"/>
+                <a16:creationId xmlns:a16="http://schemas.microsoft.com/office/drawing/2014/main" id="{A9CB39F7-444B-EBBE-AD93-9DEB4FC99D9B}"/>
               </a:ext>
             </a:extLst>
           </p:cNvPr>
@@ -166,7 +166,7 @@
           <p:cNvPr id="3" name="副标题 2">
             <a:extLst>
               <a:ext uri="{FF2B5EF4-FFF2-40B4-BE49-F238E27FC236}">
-                <a16:creationId xmlns:a16="http://schemas.microsoft.com/office/drawing/2014/main" id="{49C51E2D-B0EB-3199-3C30-73B671B04768}"/>
+                <a16:creationId xmlns:a16="http://schemas.microsoft.com/office/drawing/2014/main" id="{EDF2F8F9-0F92-5293-AF8A-407CFA3B1E25}"/>
               </a:ext>
             </a:extLst>
           </p:cNvPr>
@@ -236,7 +236,7 @@
           <p:cNvPr id="4" name="日期占位符 3">
             <a:extLst>
               <a:ext uri="{FF2B5EF4-FFF2-40B4-BE49-F238E27FC236}">
-                <a16:creationId xmlns:a16="http://schemas.microsoft.com/office/drawing/2014/main" id="{C0909835-BDC0-433D-C4CB-CD793CF90758}"/>
+                <a16:creationId xmlns:a16="http://schemas.microsoft.com/office/drawing/2014/main" id="{F628C5C1-E8E3-193B-27A0-2402D2EBB06C}"/>
               </a:ext>
             </a:extLst>
           </p:cNvPr>
@@ -252,7 +252,7 @@
           <a:bodyPr/>
           <a:lstStyle/>
           <a:p>
-            <a:fld id="{D05E8F90-89F5-4953-AF51-9816F9F44C34}" type="datetimeFigureOut">
+            <a:fld id="{D5F4DB61-0576-4D6F-83E5-2A771DA17910}" type="datetimeFigureOut">
               <a:rPr lang="zh-CN" altLang="en-US" smtClean="0"/>
               <a:t>2024/3/10</a:t>
             </a:fld>
@@ -265,7 +265,7 @@
           <p:cNvPr id="5" name="页脚占位符 4">
             <a:extLst>
               <a:ext uri="{FF2B5EF4-FFF2-40B4-BE49-F238E27FC236}">
-                <a16:creationId xmlns:a16="http://schemas.microsoft.com/office/drawing/2014/main" id="{FC3D42B7-AB92-2CD4-E623-2B9B0118F9D6}"/>
+                <a16:creationId xmlns:a16="http://schemas.microsoft.com/office/drawing/2014/main" id="{5C30D7A9-E226-694A-76DD-D920AAFC7EA0}"/>
               </a:ext>
             </a:extLst>
           </p:cNvPr>
@@ -290,7 +290,7 @@
           <p:cNvPr id="6" name="灯片编号占位符 5">
             <a:extLst>
               <a:ext uri="{FF2B5EF4-FFF2-40B4-BE49-F238E27FC236}">
-                <a16:creationId xmlns:a16="http://schemas.microsoft.com/office/drawing/2014/main" id="{8FE7846D-DDB5-3F07-2D96-51216FF8C92A}"/>
+                <a16:creationId xmlns:a16="http://schemas.microsoft.com/office/drawing/2014/main" id="{1FCEC00C-52DF-E4C4-8115-8FF1BBAAF991}"/>
               </a:ext>
             </a:extLst>
           </p:cNvPr>
@@ -306,7 +306,7 @@
           <a:bodyPr/>
           <a:lstStyle/>
           <a:p>
-            <a:fld id="{57E41F43-B297-463F-BF61-1B16064345FE}" type="slidenum">
+            <a:fld id="{AD8D5AA5-7F7C-4420-9A08-B7525530E0D0}" type="slidenum">
               <a:rPr lang="zh-CN" altLang="en-US" smtClean="0"/>
               <a:t>‹#›</a:t>
             </a:fld>
@@ -317,7 +317,7 @@
     </p:spTree>
     <p:extLst>
       <p:ext uri="{BB962C8B-B14F-4D97-AF65-F5344CB8AC3E}">
-        <p14:creationId xmlns:p14="http://schemas.microsoft.com/office/powerpoint/2010/main" val="2758140749"/>
+        <p14:creationId xmlns:p14="http://schemas.microsoft.com/office/powerpoint/2010/main" val="2581587131"/>
       </p:ext>
     </p:extLst>
   </p:cSld>
@@ -349,7 +349,7 @@
           <p:cNvPr id="2" name="标题 1">
             <a:extLst>
               <a:ext uri="{FF2B5EF4-FFF2-40B4-BE49-F238E27FC236}">
-                <a16:creationId xmlns:a16="http://schemas.microsoft.com/office/drawing/2014/main" id="{43E0EED2-1BEC-BB64-4082-88359C00779C}"/>
+                <a16:creationId xmlns:a16="http://schemas.microsoft.com/office/drawing/2014/main" id="{51A39E41-7775-9F69-7CBF-B2AF8060A048}"/>
               </a:ext>
             </a:extLst>
           </p:cNvPr>
@@ -377,7 +377,7 @@
           <p:cNvPr id="3" name="竖排文字占位符 2">
             <a:extLst>
               <a:ext uri="{FF2B5EF4-FFF2-40B4-BE49-F238E27FC236}">
-                <a16:creationId xmlns:a16="http://schemas.microsoft.com/office/drawing/2014/main" id="{458D7389-9913-88E4-54FD-B1BB3ADDC16A}"/>
+                <a16:creationId xmlns:a16="http://schemas.microsoft.com/office/drawing/2014/main" id="{54560155-21D6-47D0-B280-31DE7C3C4722}"/>
               </a:ext>
             </a:extLst>
           </p:cNvPr>
@@ -434,7 +434,7 @@
           <p:cNvPr id="4" name="日期占位符 3">
             <a:extLst>
               <a:ext uri="{FF2B5EF4-FFF2-40B4-BE49-F238E27FC236}">
-                <a16:creationId xmlns:a16="http://schemas.microsoft.com/office/drawing/2014/main" id="{70E6D2A8-1D94-131B-D7F9-56FF68D3D707}"/>
+                <a16:creationId xmlns:a16="http://schemas.microsoft.com/office/drawing/2014/main" id="{FF47097A-5111-1DC7-DB55-9272D8717F10}"/>
               </a:ext>
             </a:extLst>
           </p:cNvPr>
@@ -450,7 +450,7 @@
           <a:bodyPr/>
           <a:lstStyle/>
           <a:p>
-            <a:fld id="{D05E8F90-89F5-4953-AF51-9816F9F44C34}" type="datetimeFigureOut">
+            <a:fld id="{D5F4DB61-0576-4D6F-83E5-2A771DA17910}" type="datetimeFigureOut">
               <a:rPr lang="zh-CN" altLang="en-US" smtClean="0"/>
               <a:t>2024/3/10</a:t>
             </a:fld>
@@ -463,7 +463,7 @@
           <p:cNvPr id="5" name="页脚占位符 4">
             <a:extLst>
               <a:ext uri="{FF2B5EF4-FFF2-40B4-BE49-F238E27FC236}">
-                <a16:creationId xmlns:a16="http://schemas.microsoft.com/office/drawing/2014/main" id="{B872D5B8-2029-B770-8B6A-418C33E20148}"/>
+                <a16:creationId xmlns:a16="http://schemas.microsoft.com/office/drawing/2014/main" id="{C4BCA33B-F85B-499C-E4D0-58A1A262BA12}"/>
               </a:ext>
             </a:extLst>
           </p:cNvPr>
@@ -488,7 +488,7 @@
           <p:cNvPr id="6" name="灯片编号占位符 5">
             <a:extLst>
               <a:ext uri="{FF2B5EF4-FFF2-40B4-BE49-F238E27FC236}">
-                <a16:creationId xmlns:a16="http://schemas.microsoft.com/office/drawing/2014/main" id="{E987D82F-CCA8-0F81-A55D-CF456A2B79A8}"/>
+                <a16:creationId xmlns:a16="http://schemas.microsoft.com/office/drawing/2014/main" id="{80A26A0A-6913-E4BE-F613-A8D3227A46EE}"/>
               </a:ext>
             </a:extLst>
           </p:cNvPr>
@@ -504,7 +504,7 @@
           <a:bodyPr/>
           <a:lstStyle/>
           <a:p>
-            <a:fld id="{57E41F43-B297-463F-BF61-1B16064345FE}" type="slidenum">
+            <a:fld id="{AD8D5AA5-7F7C-4420-9A08-B7525530E0D0}" type="slidenum">
               <a:rPr lang="zh-CN" altLang="en-US" smtClean="0"/>
               <a:t>‹#›</a:t>
             </a:fld>
@@ -515,7 +515,7 @@
     </p:spTree>
     <p:extLst>
       <p:ext uri="{BB962C8B-B14F-4D97-AF65-F5344CB8AC3E}">
-        <p14:creationId xmlns:p14="http://schemas.microsoft.com/office/powerpoint/2010/main" val="1842843728"/>
+        <p14:creationId xmlns:p14="http://schemas.microsoft.com/office/powerpoint/2010/main" val="249432673"/>
       </p:ext>
     </p:extLst>
   </p:cSld>
@@ -547,7 +547,7 @@
           <p:cNvPr id="2" name="竖排标题 1">
             <a:extLst>
               <a:ext uri="{FF2B5EF4-FFF2-40B4-BE49-F238E27FC236}">
-                <a16:creationId xmlns:a16="http://schemas.microsoft.com/office/drawing/2014/main" id="{A4039A36-1CA5-5D61-70CA-3852B7AE9A65}"/>
+                <a16:creationId xmlns:a16="http://schemas.microsoft.com/office/drawing/2014/main" id="{05F74E9B-AD38-794D-EFFA-989D32BE92DE}"/>
               </a:ext>
             </a:extLst>
           </p:cNvPr>
@@ -580,7 +580,7 @@
           <p:cNvPr id="3" name="竖排文字占位符 2">
             <a:extLst>
               <a:ext uri="{FF2B5EF4-FFF2-40B4-BE49-F238E27FC236}">
-                <a16:creationId xmlns:a16="http://schemas.microsoft.com/office/drawing/2014/main" id="{FB89C74E-1F51-3B96-CA8A-EDEC4EE71EEE}"/>
+                <a16:creationId xmlns:a16="http://schemas.microsoft.com/office/drawing/2014/main" id="{6536DE42-BB79-1C50-6CAE-900DCAB84AF3}"/>
               </a:ext>
             </a:extLst>
           </p:cNvPr>
@@ -642,7 +642,7 @@
           <p:cNvPr id="4" name="日期占位符 3">
             <a:extLst>
               <a:ext uri="{FF2B5EF4-FFF2-40B4-BE49-F238E27FC236}">
-                <a16:creationId xmlns:a16="http://schemas.microsoft.com/office/drawing/2014/main" id="{E4DDE21F-D7F8-60C1-BB94-4D0D2145D4FA}"/>
+                <a16:creationId xmlns:a16="http://schemas.microsoft.com/office/drawing/2014/main" id="{3B7AEF87-C477-4AA5-89A5-765FF1BD420B}"/>
               </a:ext>
             </a:extLst>
           </p:cNvPr>
@@ -658,7 +658,7 @@
           <a:bodyPr/>
           <a:lstStyle/>
           <a:p>
-            <a:fld id="{D05E8F90-89F5-4953-AF51-9816F9F44C34}" type="datetimeFigureOut">
+            <a:fld id="{D5F4DB61-0576-4D6F-83E5-2A771DA17910}" type="datetimeFigureOut">
               <a:rPr lang="zh-CN" altLang="en-US" smtClean="0"/>
               <a:t>2024/3/10</a:t>
             </a:fld>
@@ -671,7 +671,7 @@
           <p:cNvPr id="5" name="页脚占位符 4">
             <a:extLst>
               <a:ext uri="{FF2B5EF4-FFF2-40B4-BE49-F238E27FC236}">
-                <a16:creationId xmlns:a16="http://schemas.microsoft.com/office/drawing/2014/main" id="{169BA281-223F-4B14-C81A-02935E212D80}"/>
+                <a16:creationId xmlns:a16="http://schemas.microsoft.com/office/drawing/2014/main" id="{9760BFBA-0C1A-717A-6FD5-618A32897B46}"/>
               </a:ext>
             </a:extLst>
           </p:cNvPr>
@@ -696,7 +696,7 @@
           <p:cNvPr id="6" name="灯片编号占位符 5">
             <a:extLst>
               <a:ext uri="{FF2B5EF4-FFF2-40B4-BE49-F238E27FC236}">
-                <a16:creationId xmlns:a16="http://schemas.microsoft.com/office/drawing/2014/main" id="{D06D1B1F-1226-91BD-3A7E-E7D4FD4A0242}"/>
+                <a16:creationId xmlns:a16="http://schemas.microsoft.com/office/drawing/2014/main" id="{67387FDF-6F39-B5AB-C4E9-261E7D711D33}"/>
               </a:ext>
             </a:extLst>
           </p:cNvPr>
@@ -712,7 +712,7 @@
           <a:bodyPr/>
           <a:lstStyle/>
           <a:p>
-            <a:fld id="{57E41F43-B297-463F-BF61-1B16064345FE}" type="slidenum">
+            <a:fld id="{AD8D5AA5-7F7C-4420-9A08-B7525530E0D0}" type="slidenum">
               <a:rPr lang="zh-CN" altLang="en-US" smtClean="0"/>
               <a:t>‹#›</a:t>
             </a:fld>
@@ -723,7 +723,7 @@
     </p:spTree>
     <p:extLst>
       <p:ext uri="{BB962C8B-B14F-4D97-AF65-F5344CB8AC3E}">
-        <p14:creationId xmlns:p14="http://schemas.microsoft.com/office/powerpoint/2010/main" val="1081781589"/>
+        <p14:creationId xmlns:p14="http://schemas.microsoft.com/office/powerpoint/2010/main" val="3705924698"/>
       </p:ext>
     </p:extLst>
   </p:cSld>
@@ -755,7 +755,7 @@
           <p:cNvPr id="2" name="标题 1">
             <a:extLst>
               <a:ext uri="{FF2B5EF4-FFF2-40B4-BE49-F238E27FC236}">
-                <a16:creationId xmlns:a16="http://schemas.microsoft.com/office/drawing/2014/main" id="{BFA40962-5EAC-5601-D1FE-91A93658112F}"/>
+                <a16:creationId xmlns:a16="http://schemas.microsoft.com/office/drawing/2014/main" id="{9CD5A449-D83E-ABDB-3059-F745DE0DB719}"/>
               </a:ext>
             </a:extLst>
           </p:cNvPr>
@@ -783,7 +783,7 @@
           <p:cNvPr id="3" name="内容占位符 2">
             <a:extLst>
               <a:ext uri="{FF2B5EF4-FFF2-40B4-BE49-F238E27FC236}">
-                <a16:creationId xmlns:a16="http://schemas.microsoft.com/office/drawing/2014/main" id="{7E379280-2A84-4616-D91A-9D0EB3FD6A68}"/>
+                <a16:creationId xmlns:a16="http://schemas.microsoft.com/office/drawing/2014/main" id="{EAC0C161-205B-E001-31D0-E9FC3DFFBB54}"/>
               </a:ext>
             </a:extLst>
           </p:cNvPr>
@@ -840,7 +840,7 @@
           <p:cNvPr id="4" name="日期占位符 3">
             <a:extLst>
               <a:ext uri="{FF2B5EF4-FFF2-40B4-BE49-F238E27FC236}">
-                <a16:creationId xmlns:a16="http://schemas.microsoft.com/office/drawing/2014/main" id="{49CDF41A-0C5F-7A5F-D172-448965488440}"/>
+                <a16:creationId xmlns:a16="http://schemas.microsoft.com/office/drawing/2014/main" id="{768DB9CB-4FBB-4993-CA3A-945C7861CD9D}"/>
               </a:ext>
             </a:extLst>
           </p:cNvPr>
@@ -856,7 +856,7 @@
           <a:bodyPr/>
           <a:lstStyle/>
           <a:p>
-            <a:fld id="{D05E8F90-89F5-4953-AF51-9816F9F44C34}" type="datetimeFigureOut">
+            <a:fld id="{D5F4DB61-0576-4D6F-83E5-2A771DA17910}" type="datetimeFigureOut">
               <a:rPr lang="zh-CN" altLang="en-US" smtClean="0"/>
               <a:t>2024/3/10</a:t>
             </a:fld>
@@ -869,7 +869,7 @@
           <p:cNvPr id="5" name="页脚占位符 4">
             <a:extLst>
               <a:ext uri="{FF2B5EF4-FFF2-40B4-BE49-F238E27FC236}">
-                <a16:creationId xmlns:a16="http://schemas.microsoft.com/office/drawing/2014/main" id="{2FA1D8C2-62FD-0465-2F70-944028BC9688}"/>
+                <a16:creationId xmlns:a16="http://schemas.microsoft.com/office/drawing/2014/main" id="{E9927DD6-20B7-8C65-60E4-9C47AB116695}"/>
               </a:ext>
             </a:extLst>
           </p:cNvPr>
@@ -894,7 +894,7 @@
           <p:cNvPr id="6" name="灯片编号占位符 5">
             <a:extLst>
               <a:ext uri="{FF2B5EF4-FFF2-40B4-BE49-F238E27FC236}">
-                <a16:creationId xmlns:a16="http://schemas.microsoft.com/office/drawing/2014/main" id="{963FC5C0-E6E3-0855-879F-EC6A28430430}"/>
+                <a16:creationId xmlns:a16="http://schemas.microsoft.com/office/drawing/2014/main" id="{E4F9ED13-D961-2D68-4557-DBA971E43FF7}"/>
               </a:ext>
             </a:extLst>
           </p:cNvPr>
@@ -910,7 +910,7 @@
           <a:bodyPr/>
           <a:lstStyle/>
           <a:p>
-            <a:fld id="{57E41F43-B297-463F-BF61-1B16064345FE}" type="slidenum">
+            <a:fld id="{AD8D5AA5-7F7C-4420-9A08-B7525530E0D0}" type="slidenum">
               <a:rPr lang="zh-CN" altLang="en-US" smtClean="0"/>
               <a:t>‹#›</a:t>
             </a:fld>
@@ -921,7 +921,7 @@
     </p:spTree>
     <p:extLst>
       <p:ext uri="{BB962C8B-B14F-4D97-AF65-F5344CB8AC3E}">
-        <p14:creationId xmlns:p14="http://schemas.microsoft.com/office/powerpoint/2010/main" val="2826316418"/>
+        <p14:creationId xmlns:p14="http://schemas.microsoft.com/office/powerpoint/2010/main" val="1342709570"/>
       </p:ext>
     </p:extLst>
   </p:cSld>
@@ -953,7 +953,7 @@
           <p:cNvPr id="2" name="标题 1">
             <a:extLst>
               <a:ext uri="{FF2B5EF4-FFF2-40B4-BE49-F238E27FC236}">
-                <a16:creationId xmlns:a16="http://schemas.microsoft.com/office/drawing/2014/main" id="{7B1FCDA9-7368-9024-9CCE-01987660DE4D}"/>
+                <a16:creationId xmlns:a16="http://schemas.microsoft.com/office/drawing/2014/main" id="{ED459023-FDB3-C8AE-2DB0-7C9AB3131DA1}"/>
               </a:ext>
             </a:extLst>
           </p:cNvPr>
@@ -990,7 +990,7 @@
           <p:cNvPr id="3" name="文本占位符 2">
             <a:extLst>
               <a:ext uri="{FF2B5EF4-FFF2-40B4-BE49-F238E27FC236}">
-                <a16:creationId xmlns:a16="http://schemas.microsoft.com/office/drawing/2014/main" id="{FD42C0BC-FD3A-010F-2CE4-661C2A2715A5}"/>
+                <a16:creationId xmlns:a16="http://schemas.microsoft.com/office/drawing/2014/main" id="{C58743E5-9152-43D6-356A-D84240DFC9CF}"/>
               </a:ext>
             </a:extLst>
           </p:cNvPr>
@@ -1115,7 +1115,7 @@
           <p:cNvPr id="4" name="日期占位符 3">
             <a:extLst>
               <a:ext uri="{FF2B5EF4-FFF2-40B4-BE49-F238E27FC236}">
-                <a16:creationId xmlns:a16="http://schemas.microsoft.com/office/drawing/2014/main" id="{20CB9A3E-819B-23FD-A33F-40E1E4C1134B}"/>
+                <a16:creationId xmlns:a16="http://schemas.microsoft.com/office/drawing/2014/main" id="{56AD968E-BE37-A47A-4CC1-1DD6ED671B9F}"/>
               </a:ext>
             </a:extLst>
           </p:cNvPr>
@@ -1131,7 +1131,7 @@
           <a:bodyPr/>
           <a:lstStyle/>
           <a:p>
-            <a:fld id="{D05E8F90-89F5-4953-AF51-9816F9F44C34}" type="datetimeFigureOut">
+            <a:fld id="{D5F4DB61-0576-4D6F-83E5-2A771DA17910}" type="datetimeFigureOut">
               <a:rPr lang="zh-CN" altLang="en-US" smtClean="0"/>
               <a:t>2024/3/10</a:t>
             </a:fld>
@@ -1144,7 +1144,7 @@
           <p:cNvPr id="5" name="页脚占位符 4">
             <a:extLst>
               <a:ext uri="{FF2B5EF4-FFF2-40B4-BE49-F238E27FC236}">
-                <a16:creationId xmlns:a16="http://schemas.microsoft.com/office/drawing/2014/main" id="{5C18DF70-934B-8D49-4848-26D8770B24D4}"/>
+                <a16:creationId xmlns:a16="http://schemas.microsoft.com/office/drawing/2014/main" id="{0192B80F-6817-F685-BC2E-7D78E1668B09}"/>
               </a:ext>
             </a:extLst>
           </p:cNvPr>
@@ -1169,7 +1169,7 @@
           <p:cNvPr id="6" name="灯片编号占位符 5">
             <a:extLst>
               <a:ext uri="{FF2B5EF4-FFF2-40B4-BE49-F238E27FC236}">
-                <a16:creationId xmlns:a16="http://schemas.microsoft.com/office/drawing/2014/main" id="{4ECC768A-CA2E-5B7D-671D-F050DB7F33AC}"/>
+                <a16:creationId xmlns:a16="http://schemas.microsoft.com/office/drawing/2014/main" id="{51B5A64F-0F48-0E38-7A28-E3C89AE44DAE}"/>
               </a:ext>
             </a:extLst>
           </p:cNvPr>
@@ -1185,7 +1185,7 @@
           <a:bodyPr/>
           <a:lstStyle/>
           <a:p>
-            <a:fld id="{57E41F43-B297-463F-BF61-1B16064345FE}" type="slidenum">
+            <a:fld id="{AD8D5AA5-7F7C-4420-9A08-B7525530E0D0}" type="slidenum">
               <a:rPr lang="zh-CN" altLang="en-US" smtClean="0"/>
               <a:t>‹#›</a:t>
             </a:fld>
@@ -1196,7 +1196,7 @@
     </p:spTree>
     <p:extLst>
       <p:ext uri="{BB962C8B-B14F-4D97-AF65-F5344CB8AC3E}">
-        <p14:creationId xmlns:p14="http://schemas.microsoft.com/office/powerpoint/2010/main" val="1490721255"/>
+        <p14:creationId xmlns:p14="http://schemas.microsoft.com/office/powerpoint/2010/main" val="2573390073"/>
       </p:ext>
     </p:extLst>
   </p:cSld>
@@ -1228,7 +1228,7 @@
           <p:cNvPr id="2" name="标题 1">
             <a:extLst>
               <a:ext uri="{FF2B5EF4-FFF2-40B4-BE49-F238E27FC236}">
-                <a16:creationId xmlns:a16="http://schemas.microsoft.com/office/drawing/2014/main" id="{2E45875E-E944-4B6B-512D-BFBBFED2CEED}"/>
+                <a16:creationId xmlns:a16="http://schemas.microsoft.com/office/drawing/2014/main" id="{9443D0C5-63FA-6CD5-5524-4ECE5443CA3F}"/>
               </a:ext>
             </a:extLst>
           </p:cNvPr>
@@ -1256,7 +1256,7 @@
           <p:cNvPr id="3" name="内容占位符 2">
             <a:extLst>
               <a:ext uri="{FF2B5EF4-FFF2-40B4-BE49-F238E27FC236}">
-                <a16:creationId xmlns:a16="http://schemas.microsoft.com/office/drawing/2014/main" id="{B9CD1699-532D-BC80-666D-C8F120EC79BF}"/>
+                <a16:creationId xmlns:a16="http://schemas.microsoft.com/office/drawing/2014/main" id="{701A93EA-5B6B-2305-1F75-EDC96D5D21A8}"/>
               </a:ext>
             </a:extLst>
           </p:cNvPr>
@@ -1318,7 +1318,7 @@
           <p:cNvPr id="4" name="内容占位符 3">
             <a:extLst>
               <a:ext uri="{FF2B5EF4-FFF2-40B4-BE49-F238E27FC236}">
-                <a16:creationId xmlns:a16="http://schemas.microsoft.com/office/drawing/2014/main" id="{56D4A44D-B88F-1DB4-8DEB-B3B76579E0A8}"/>
+                <a16:creationId xmlns:a16="http://schemas.microsoft.com/office/drawing/2014/main" id="{4CD6D58E-D64A-93CF-4DEC-4CB2FD5820BF}"/>
               </a:ext>
             </a:extLst>
           </p:cNvPr>
@@ -1380,7 +1380,7 @@
           <p:cNvPr id="5" name="日期占位符 4">
             <a:extLst>
               <a:ext uri="{FF2B5EF4-FFF2-40B4-BE49-F238E27FC236}">
-                <a16:creationId xmlns:a16="http://schemas.microsoft.com/office/drawing/2014/main" id="{60E09243-0CA0-D1B0-42B7-A3DFBBFFF188}"/>
+                <a16:creationId xmlns:a16="http://schemas.microsoft.com/office/drawing/2014/main" id="{16107EA3-D8DA-4335-C10D-E0FC6A5792DB}"/>
               </a:ext>
             </a:extLst>
           </p:cNvPr>
@@ -1396,7 +1396,7 @@
           <a:bodyPr/>
           <a:lstStyle/>
           <a:p>
-            <a:fld id="{D05E8F90-89F5-4953-AF51-9816F9F44C34}" type="datetimeFigureOut">
+            <a:fld id="{D5F4DB61-0576-4D6F-83E5-2A771DA17910}" type="datetimeFigureOut">
               <a:rPr lang="zh-CN" altLang="en-US" smtClean="0"/>
               <a:t>2024/3/10</a:t>
             </a:fld>
@@ -1409,7 +1409,7 @@
           <p:cNvPr id="6" name="页脚占位符 5">
             <a:extLst>
               <a:ext uri="{FF2B5EF4-FFF2-40B4-BE49-F238E27FC236}">
-                <a16:creationId xmlns:a16="http://schemas.microsoft.com/office/drawing/2014/main" id="{8231430C-0040-07BE-FF4C-5DE2066A6EDD}"/>
+                <a16:creationId xmlns:a16="http://schemas.microsoft.com/office/drawing/2014/main" id="{606E24CD-4E8F-0F3D-5C20-8823B0082F7C}"/>
               </a:ext>
             </a:extLst>
           </p:cNvPr>
@@ -1434,7 +1434,7 @@
           <p:cNvPr id="7" name="灯片编号占位符 6">
             <a:extLst>
               <a:ext uri="{FF2B5EF4-FFF2-40B4-BE49-F238E27FC236}">
-                <a16:creationId xmlns:a16="http://schemas.microsoft.com/office/drawing/2014/main" id="{5D050E4C-A47E-616D-0CE1-45477CF7B1FA}"/>
+                <a16:creationId xmlns:a16="http://schemas.microsoft.com/office/drawing/2014/main" id="{A3ED1A05-2F0E-3C5A-A846-1DE2115A31F5}"/>
               </a:ext>
             </a:extLst>
           </p:cNvPr>
@@ -1450,7 +1450,7 @@
           <a:bodyPr/>
           <a:lstStyle/>
           <a:p>
-            <a:fld id="{57E41F43-B297-463F-BF61-1B16064345FE}" type="slidenum">
+            <a:fld id="{AD8D5AA5-7F7C-4420-9A08-B7525530E0D0}" type="slidenum">
               <a:rPr lang="zh-CN" altLang="en-US" smtClean="0"/>
               <a:t>‹#›</a:t>
             </a:fld>
@@ -1461,7 +1461,7 @@
     </p:spTree>
     <p:extLst>
       <p:ext uri="{BB962C8B-B14F-4D97-AF65-F5344CB8AC3E}">
-        <p14:creationId xmlns:p14="http://schemas.microsoft.com/office/powerpoint/2010/main" val="3755350589"/>
+        <p14:creationId xmlns:p14="http://schemas.microsoft.com/office/powerpoint/2010/main" val="2244580580"/>
       </p:ext>
     </p:extLst>
   </p:cSld>
@@ -1493,7 +1493,7 @@
           <p:cNvPr id="2" name="标题 1">
             <a:extLst>
               <a:ext uri="{FF2B5EF4-FFF2-40B4-BE49-F238E27FC236}">
-                <a16:creationId xmlns:a16="http://schemas.microsoft.com/office/drawing/2014/main" id="{8D3AC134-51C6-07B8-7339-09618B3BAC70}"/>
+                <a16:creationId xmlns:a16="http://schemas.microsoft.com/office/drawing/2014/main" id="{FCADB8F1-C5B2-1471-81F4-2B8831131AA6}"/>
               </a:ext>
             </a:extLst>
           </p:cNvPr>
@@ -1526,7 +1526,7 @@
           <p:cNvPr id="3" name="文本占位符 2">
             <a:extLst>
               <a:ext uri="{FF2B5EF4-FFF2-40B4-BE49-F238E27FC236}">
-                <a16:creationId xmlns:a16="http://schemas.microsoft.com/office/drawing/2014/main" id="{8238C3AE-9B22-D31A-CE8E-D643928743AE}"/>
+                <a16:creationId xmlns:a16="http://schemas.microsoft.com/office/drawing/2014/main" id="{E19F856D-41D5-3596-82CD-8B894F08F608}"/>
               </a:ext>
             </a:extLst>
           </p:cNvPr>
@@ -1597,7 +1597,7 @@
           <p:cNvPr id="4" name="内容占位符 3">
             <a:extLst>
               <a:ext uri="{FF2B5EF4-FFF2-40B4-BE49-F238E27FC236}">
-                <a16:creationId xmlns:a16="http://schemas.microsoft.com/office/drawing/2014/main" id="{CF411197-AAA4-03FE-3BAC-8AF7741BCA2A}"/>
+                <a16:creationId xmlns:a16="http://schemas.microsoft.com/office/drawing/2014/main" id="{28C7C3BC-E8E0-5421-5C1E-8FDCCD1638EF}"/>
               </a:ext>
             </a:extLst>
           </p:cNvPr>
@@ -1659,7 +1659,7 @@
           <p:cNvPr id="5" name="文本占位符 4">
             <a:extLst>
               <a:ext uri="{FF2B5EF4-FFF2-40B4-BE49-F238E27FC236}">
-                <a16:creationId xmlns:a16="http://schemas.microsoft.com/office/drawing/2014/main" id="{FDFF63C0-6454-B289-84C4-8B4B1AFF350E}"/>
+                <a16:creationId xmlns:a16="http://schemas.microsoft.com/office/drawing/2014/main" id="{19B9F261-0C0C-73AC-BA7B-B1E3260544B7}"/>
               </a:ext>
             </a:extLst>
           </p:cNvPr>
@@ -1730,7 +1730,7 @@
           <p:cNvPr id="6" name="内容占位符 5">
             <a:extLst>
               <a:ext uri="{FF2B5EF4-FFF2-40B4-BE49-F238E27FC236}">
-                <a16:creationId xmlns:a16="http://schemas.microsoft.com/office/drawing/2014/main" id="{91AC0265-98E7-8E21-CD8B-86F211B28044}"/>
+                <a16:creationId xmlns:a16="http://schemas.microsoft.com/office/drawing/2014/main" id="{ED8B6345-0CC7-F9C2-D40A-D00F58E1330E}"/>
               </a:ext>
             </a:extLst>
           </p:cNvPr>
@@ -1792,7 +1792,7 @@
           <p:cNvPr id="7" name="日期占位符 6">
             <a:extLst>
               <a:ext uri="{FF2B5EF4-FFF2-40B4-BE49-F238E27FC236}">
-                <a16:creationId xmlns:a16="http://schemas.microsoft.com/office/drawing/2014/main" id="{E57EB76F-A5A2-C7AF-D5D5-025F5C4B3EE2}"/>
+                <a16:creationId xmlns:a16="http://schemas.microsoft.com/office/drawing/2014/main" id="{BB15B962-6D26-5EFF-EEF9-0151230B3895}"/>
               </a:ext>
             </a:extLst>
           </p:cNvPr>
@@ -1808,7 +1808,7 @@
           <a:bodyPr/>
           <a:lstStyle/>
           <a:p>
-            <a:fld id="{D05E8F90-89F5-4953-AF51-9816F9F44C34}" type="datetimeFigureOut">
+            <a:fld id="{D5F4DB61-0576-4D6F-83E5-2A771DA17910}" type="datetimeFigureOut">
               <a:rPr lang="zh-CN" altLang="en-US" smtClean="0"/>
               <a:t>2024/3/10</a:t>
             </a:fld>
@@ -1821,7 +1821,7 @@
           <p:cNvPr id="8" name="页脚占位符 7">
             <a:extLst>
               <a:ext uri="{FF2B5EF4-FFF2-40B4-BE49-F238E27FC236}">
-                <a16:creationId xmlns:a16="http://schemas.microsoft.com/office/drawing/2014/main" id="{43D477A0-77C0-E360-5213-301DB2AB7703}"/>
+                <a16:creationId xmlns:a16="http://schemas.microsoft.com/office/drawing/2014/main" id="{20AB7428-E174-0BA3-708F-58260E739EFA}"/>
               </a:ext>
             </a:extLst>
           </p:cNvPr>
@@ -1846,7 +1846,7 @@
           <p:cNvPr id="9" name="灯片编号占位符 8">
             <a:extLst>
               <a:ext uri="{FF2B5EF4-FFF2-40B4-BE49-F238E27FC236}">
-                <a16:creationId xmlns:a16="http://schemas.microsoft.com/office/drawing/2014/main" id="{6A4B0A99-0C85-17B7-1ADA-6A2D1512778E}"/>
+                <a16:creationId xmlns:a16="http://schemas.microsoft.com/office/drawing/2014/main" id="{E833F7C9-0DD7-256C-27FB-1826A62DB45C}"/>
               </a:ext>
             </a:extLst>
           </p:cNvPr>
@@ -1862,7 +1862,7 @@
           <a:bodyPr/>
           <a:lstStyle/>
           <a:p>
-            <a:fld id="{57E41F43-B297-463F-BF61-1B16064345FE}" type="slidenum">
+            <a:fld id="{AD8D5AA5-7F7C-4420-9A08-B7525530E0D0}" type="slidenum">
               <a:rPr lang="zh-CN" altLang="en-US" smtClean="0"/>
               <a:t>‹#›</a:t>
             </a:fld>
@@ -1873,7 +1873,7 @@
     </p:spTree>
     <p:extLst>
       <p:ext uri="{BB962C8B-B14F-4D97-AF65-F5344CB8AC3E}">
-        <p14:creationId xmlns:p14="http://schemas.microsoft.com/office/powerpoint/2010/main" val="1273730671"/>
+        <p14:creationId xmlns:p14="http://schemas.microsoft.com/office/powerpoint/2010/main" val="4140031852"/>
       </p:ext>
     </p:extLst>
   </p:cSld>
@@ -1905,7 +1905,7 @@
           <p:cNvPr id="2" name="标题 1">
             <a:extLst>
               <a:ext uri="{FF2B5EF4-FFF2-40B4-BE49-F238E27FC236}">
-                <a16:creationId xmlns:a16="http://schemas.microsoft.com/office/drawing/2014/main" id="{5DE0E98F-C102-AB46-B261-B7A9B86EB866}"/>
+                <a16:creationId xmlns:a16="http://schemas.microsoft.com/office/drawing/2014/main" id="{C35DD07F-AFC6-0D46-6620-DE2AD5EEABA9}"/>
               </a:ext>
             </a:extLst>
           </p:cNvPr>
@@ -1933,7 +1933,7 @@
           <p:cNvPr id="3" name="日期占位符 2">
             <a:extLst>
               <a:ext uri="{FF2B5EF4-FFF2-40B4-BE49-F238E27FC236}">
-                <a16:creationId xmlns:a16="http://schemas.microsoft.com/office/drawing/2014/main" id="{3C1D9E91-A8B3-17C8-78FB-B77B0C05AE16}"/>
+                <a16:creationId xmlns:a16="http://schemas.microsoft.com/office/drawing/2014/main" id="{B6DF895A-B28D-36BD-5550-1AF8318543D1}"/>
               </a:ext>
             </a:extLst>
           </p:cNvPr>
@@ -1949,7 +1949,7 @@
           <a:bodyPr/>
           <a:lstStyle/>
           <a:p>
-            <a:fld id="{D05E8F90-89F5-4953-AF51-9816F9F44C34}" type="datetimeFigureOut">
+            <a:fld id="{D5F4DB61-0576-4D6F-83E5-2A771DA17910}" type="datetimeFigureOut">
               <a:rPr lang="zh-CN" altLang="en-US" smtClean="0"/>
               <a:t>2024/3/10</a:t>
             </a:fld>
@@ -1962,7 +1962,7 @@
           <p:cNvPr id="4" name="页脚占位符 3">
             <a:extLst>
               <a:ext uri="{FF2B5EF4-FFF2-40B4-BE49-F238E27FC236}">
-                <a16:creationId xmlns:a16="http://schemas.microsoft.com/office/drawing/2014/main" id="{EA612EFA-53CE-5AF2-AB70-154C411F9595}"/>
+                <a16:creationId xmlns:a16="http://schemas.microsoft.com/office/drawing/2014/main" id="{CAC9469A-3E0E-AEF5-9FCB-2FAD658B2C5C}"/>
               </a:ext>
             </a:extLst>
           </p:cNvPr>
@@ -1987,7 +1987,7 @@
           <p:cNvPr id="5" name="灯片编号占位符 4">
             <a:extLst>
               <a:ext uri="{FF2B5EF4-FFF2-40B4-BE49-F238E27FC236}">
-                <a16:creationId xmlns:a16="http://schemas.microsoft.com/office/drawing/2014/main" id="{52B4CA55-6B8E-21FF-B09E-3872119F1F87}"/>
+                <a16:creationId xmlns:a16="http://schemas.microsoft.com/office/drawing/2014/main" id="{31BEB92E-146C-37F7-6E60-EF00B2392F73}"/>
               </a:ext>
             </a:extLst>
           </p:cNvPr>
@@ -2003,7 +2003,7 @@
           <a:bodyPr/>
           <a:lstStyle/>
           <a:p>
-            <a:fld id="{57E41F43-B297-463F-BF61-1B16064345FE}" type="slidenum">
+            <a:fld id="{AD8D5AA5-7F7C-4420-9A08-B7525530E0D0}" type="slidenum">
               <a:rPr lang="zh-CN" altLang="en-US" smtClean="0"/>
               <a:t>‹#›</a:t>
             </a:fld>
@@ -2014,7 +2014,7 @@
     </p:spTree>
     <p:extLst>
       <p:ext uri="{BB962C8B-B14F-4D97-AF65-F5344CB8AC3E}">
-        <p14:creationId xmlns:p14="http://schemas.microsoft.com/office/powerpoint/2010/main" val="1753651501"/>
+        <p14:creationId xmlns:p14="http://schemas.microsoft.com/office/powerpoint/2010/main" val="1555306077"/>
       </p:ext>
     </p:extLst>
   </p:cSld>
@@ -2046,7 +2046,7 @@
           <p:cNvPr id="2" name="日期占位符 1">
             <a:extLst>
               <a:ext uri="{FF2B5EF4-FFF2-40B4-BE49-F238E27FC236}">
-                <a16:creationId xmlns:a16="http://schemas.microsoft.com/office/drawing/2014/main" id="{C05AC3DE-9FB3-1109-E8B1-D060410C28B5}"/>
+                <a16:creationId xmlns:a16="http://schemas.microsoft.com/office/drawing/2014/main" id="{43DE0853-C53C-16E4-1633-D796728C8D8E}"/>
               </a:ext>
             </a:extLst>
           </p:cNvPr>
@@ -2062,7 +2062,7 @@
           <a:bodyPr/>
           <a:lstStyle/>
           <a:p>
-            <a:fld id="{D05E8F90-89F5-4953-AF51-9816F9F44C34}" type="datetimeFigureOut">
+            <a:fld id="{D5F4DB61-0576-4D6F-83E5-2A771DA17910}" type="datetimeFigureOut">
               <a:rPr lang="zh-CN" altLang="en-US" smtClean="0"/>
               <a:t>2024/3/10</a:t>
             </a:fld>
@@ -2075,7 +2075,7 @@
           <p:cNvPr id="3" name="页脚占位符 2">
             <a:extLst>
               <a:ext uri="{FF2B5EF4-FFF2-40B4-BE49-F238E27FC236}">
-                <a16:creationId xmlns:a16="http://schemas.microsoft.com/office/drawing/2014/main" id="{908C6748-E9C9-27C0-4A4D-40405EB6EEB1}"/>
+                <a16:creationId xmlns:a16="http://schemas.microsoft.com/office/drawing/2014/main" id="{18D20511-EF25-5D49-C751-0CB3C8F19A0B}"/>
               </a:ext>
             </a:extLst>
           </p:cNvPr>
@@ -2100,7 +2100,7 @@
           <p:cNvPr id="4" name="灯片编号占位符 3">
             <a:extLst>
               <a:ext uri="{FF2B5EF4-FFF2-40B4-BE49-F238E27FC236}">
-                <a16:creationId xmlns:a16="http://schemas.microsoft.com/office/drawing/2014/main" id="{C68E3A3C-2A25-718D-E63E-A4EDCF3A1D1F}"/>
+                <a16:creationId xmlns:a16="http://schemas.microsoft.com/office/drawing/2014/main" id="{02F415A8-AF9A-2313-777B-28242F3D0AC6}"/>
               </a:ext>
             </a:extLst>
           </p:cNvPr>
@@ -2116,7 +2116,7 @@
           <a:bodyPr/>
           <a:lstStyle/>
           <a:p>
-            <a:fld id="{57E41F43-B297-463F-BF61-1B16064345FE}" type="slidenum">
+            <a:fld id="{AD8D5AA5-7F7C-4420-9A08-B7525530E0D0}" type="slidenum">
               <a:rPr lang="zh-CN" altLang="en-US" smtClean="0"/>
               <a:t>‹#›</a:t>
             </a:fld>
@@ -2127,7 +2127,7 @@
     </p:spTree>
     <p:extLst>
       <p:ext uri="{BB962C8B-B14F-4D97-AF65-F5344CB8AC3E}">
-        <p14:creationId xmlns:p14="http://schemas.microsoft.com/office/powerpoint/2010/main" val="3137269808"/>
+        <p14:creationId xmlns:p14="http://schemas.microsoft.com/office/powerpoint/2010/main" val="2555007115"/>
       </p:ext>
     </p:extLst>
   </p:cSld>
@@ -2159,7 +2159,7 @@
           <p:cNvPr id="2" name="标题 1">
             <a:extLst>
               <a:ext uri="{FF2B5EF4-FFF2-40B4-BE49-F238E27FC236}">
-                <a16:creationId xmlns:a16="http://schemas.microsoft.com/office/drawing/2014/main" id="{242E6E55-95E3-64BB-D63B-106CD886A61C}"/>
+                <a16:creationId xmlns:a16="http://schemas.microsoft.com/office/drawing/2014/main" id="{1CC81492-1025-53F6-3B94-AE9DF3DA31F1}"/>
               </a:ext>
             </a:extLst>
           </p:cNvPr>
@@ -2196,7 +2196,7 @@
           <p:cNvPr id="3" name="内容占位符 2">
             <a:extLst>
               <a:ext uri="{FF2B5EF4-FFF2-40B4-BE49-F238E27FC236}">
-                <a16:creationId xmlns:a16="http://schemas.microsoft.com/office/drawing/2014/main" id="{7281D473-5680-56F6-41E5-CE03A2E2F9FE}"/>
+                <a16:creationId xmlns:a16="http://schemas.microsoft.com/office/drawing/2014/main" id="{1C835086-178B-F38E-7951-329087FC32A7}"/>
               </a:ext>
             </a:extLst>
           </p:cNvPr>
@@ -2286,7 +2286,7 @@
           <p:cNvPr id="4" name="文本占位符 3">
             <a:extLst>
               <a:ext uri="{FF2B5EF4-FFF2-40B4-BE49-F238E27FC236}">
-                <a16:creationId xmlns:a16="http://schemas.microsoft.com/office/drawing/2014/main" id="{D758F8C2-ED66-A592-2CF6-0B381F641D74}"/>
+                <a16:creationId xmlns:a16="http://schemas.microsoft.com/office/drawing/2014/main" id="{66B763D5-1B55-49D6-3D12-6696A24AE015}"/>
               </a:ext>
             </a:extLst>
           </p:cNvPr>
@@ -2357,7 +2357,7 @@
           <p:cNvPr id="5" name="日期占位符 4">
             <a:extLst>
               <a:ext uri="{FF2B5EF4-FFF2-40B4-BE49-F238E27FC236}">
-                <a16:creationId xmlns:a16="http://schemas.microsoft.com/office/drawing/2014/main" id="{654A59BC-E2FA-3A6B-7A36-DFD8711F9879}"/>
+                <a16:creationId xmlns:a16="http://schemas.microsoft.com/office/drawing/2014/main" id="{049FBF61-B341-AA23-5F72-86905A3CAFE9}"/>
               </a:ext>
             </a:extLst>
           </p:cNvPr>
@@ -2373,7 +2373,7 @@
           <a:bodyPr/>
           <a:lstStyle/>
           <a:p>
-            <a:fld id="{D05E8F90-89F5-4953-AF51-9816F9F44C34}" type="datetimeFigureOut">
+            <a:fld id="{D5F4DB61-0576-4D6F-83E5-2A771DA17910}" type="datetimeFigureOut">
               <a:rPr lang="zh-CN" altLang="en-US" smtClean="0"/>
               <a:t>2024/3/10</a:t>
             </a:fld>
@@ -2386,7 +2386,7 @@
           <p:cNvPr id="6" name="页脚占位符 5">
             <a:extLst>
               <a:ext uri="{FF2B5EF4-FFF2-40B4-BE49-F238E27FC236}">
-                <a16:creationId xmlns:a16="http://schemas.microsoft.com/office/drawing/2014/main" id="{9AD60BEA-F931-756E-3F34-2185F9A56561}"/>
+                <a16:creationId xmlns:a16="http://schemas.microsoft.com/office/drawing/2014/main" id="{34E7B8F9-B2F5-2938-0DEA-5AD45F3A7BD8}"/>
               </a:ext>
             </a:extLst>
           </p:cNvPr>
@@ -2411,7 +2411,7 @@
           <p:cNvPr id="7" name="灯片编号占位符 6">
             <a:extLst>
               <a:ext uri="{FF2B5EF4-FFF2-40B4-BE49-F238E27FC236}">
-                <a16:creationId xmlns:a16="http://schemas.microsoft.com/office/drawing/2014/main" id="{62954A6F-95B0-7F44-16F7-06BB882DF29F}"/>
+                <a16:creationId xmlns:a16="http://schemas.microsoft.com/office/drawing/2014/main" id="{61081408-160D-A206-A540-36F20490F230}"/>
               </a:ext>
             </a:extLst>
           </p:cNvPr>
@@ -2427,7 +2427,7 @@
           <a:bodyPr/>
           <a:lstStyle/>
           <a:p>
-            <a:fld id="{57E41F43-B297-463F-BF61-1B16064345FE}" type="slidenum">
+            <a:fld id="{AD8D5AA5-7F7C-4420-9A08-B7525530E0D0}" type="slidenum">
               <a:rPr lang="zh-CN" altLang="en-US" smtClean="0"/>
               <a:t>‹#›</a:t>
             </a:fld>
@@ -2438,7 +2438,7 @@
     </p:spTree>
     <p:extLst>
       <p:ext uri="{BB962C8B-B14F-4D97-AF65-F5344CB8AC3E}">
-        <p14:creationId xmlns:p14="http://schemas.microsoft.com/office/powerpoint/2010/main" val="3259370755"/>
+        <p14:creationId xmlns:p14="http://schemas.microsoft.com/office/powerpoint/2010/main" val="2423441608"/>
       </p:ext>
     </p:extLst>
   </p:cSld>
@@ -2470,7 +2470,7 @@
           <p:cNvPr id="2" name="标题 1">
             <a:extLst>
               <a:ext uri="{FF2B5EF4-FFF2-40B4-BE49-F238E27FC236}">
-                <a16:creationId xmlns:a16="http://schemas.microsoft.com/office/drawing/2014/main" id="{B05A3F60-F6EC-B2BF-6AF3-54DC60188201}"/>
+                <a16:creationId xmlns:a16="http://schemas.microsoft.com/office/drawing/2014/main" id="{DD1BB3AE-EAD0-C1D4-D4E9-7CBC064AAE0B}"/>
               </a:ext>
             </a:extLst>
           </p:cNvPr>
@@ -2507,7 +2507,7 @@
           <p:cNvPr id="3" name="图片占位符 2">
             <a:extLst>
               <a:ext uri="{FF2B5EF4-FFF2-40B4-BE49-F238E27FC236}">
-                <a16:creationId xmlns:a16="http://schemas.microsoft.com/office/drawing/2014/main" id="{7E861491-F1A2-2DA5-2CDA-2A7B53A0091C}"/>
+                <a16:creationId xmlns:a16="http://schemas.microsoft.com/office/drawing/2014/main" id="{A678166E-E0C1-CD44-5E2E-F41555B1C698}"/>
               </a:ext>
             </a:extLst>
           </p:cNvPr>
@@ -2574,7 +2574,7 @@
           <p:cNvPr id="4" name="文本占位符 3">
             <a:extLst>
               <a:ext uri="{FF2B5EF4-FFF2-40B4-BE49-F238E27FC236}">
-                <a16:creationId xmlns:a16="http://schemas.microsoft.com/office/drawing/2014/main" id="{20DCC3C7-96F6-5915-11BE-24BA6A3FA136}"/>
+                <a16:creationId xmlns:a16="http://schemas.microsoft.com/office/drawing/2014/main" id="{E47EBE34-C513-E11D-BACA-865B12306D47}"/>
               </a:ext>
             </a:extLst>
           </p:cNvPr>
@@ -2645,7 +2645,7 @@
           <p:cNvPr id="5" name="日期占位符 4">
             <a:extLst>
               <a:ext uri="{FF2B5EF4-FFF2-40B4-BE49-F238E27FC236}">
-                <a16:creationId xmlns:a16="http://schemas.microsoft.com/office/drawing/2014/main" id="{6CFB322C-1BAD-EBCA-B03E-E4FDADE4C59E}"/>
+                <a16:creationId xmlns:a16="http://schemas.microsoft.com/office/drawing/2014/main" id="{BFE5E567-2DA1-B1E6-E34B-BBFBC5486D18}"/>
               </a:ext>
             </a:extLst>
           </p:cNvPr>
@@ -2661,7 +2661,7 @@
           <a:bodyPr/>
           <a:lstStyle/>
           <a:p>
-            <a:fld id="{D05E8F90-89F5-4953-AF51-9816F9F44C34}" type="datetimeFigureOut">
+            <a:fld id="{D5F4DB61-0576-4D6F-83E5-2A771DA17910}" type="datetimeFigureOut">
               <a:rPr lang="zh-CN" altLang="en-US" smtClean="0"/>
               <a:t>2024/3/10</a:t>
             </a:fld>
@@ -2674,7 +2674,7 @@
           <p:cNvPr id="6" name="页脚占位符 5">
             <a:extLst>
               <a:ext uri="{FF2B5EF4-FFF2-40B4-BE49-F238E27FC236}">
-                <a16:creationId xmlns:a16="http://schemas.microsoft.com/office/drawing/2014/main" id="{B0B386DC-753B-A79E-104C-31A501F73C66}"/>
+                <a16:creationId xmlns:a16="http://schemas.microsoft.com/office/drawing/2014/main" id="{541928F2-5D6B-382B-153B-34C029824036}"/>
               </a:ext>
             </a:extLst>
           </p:cNvPr>
@@ -2699,7 +2699,7 @@
           <p:cNvPr id="7" name="灯片编号占位符 6">
             <a:extLst>
               <a:ext uri="{FF2B5EF4-FFF2-40B4-BE49-F238E27FC236}">
-                <a16:creationId xmlns:a16="http://schemas.microsoft.com/office/drawing/2014/main" id="{BDFFB3D8-9012-70AA-6C3C-0E49DF48BCD3}"/>
+                <a16:creationId xmlns:a16="http://schemas.microsoft.com/office/drawing/2014/main" id="{158D3D4E-FD87-60A4-7482-9FB663E55608}"/>
               </a:ext>
             </a:extLst>
           </p:cNvPr>
@@ -2715,7 +2715,7 @@
           <a:bodyPr/>
           <a:lstStyle/>
           <a:p>
-            <a:fld id="{57E41F43-B297-463F-BF61-1B16064345FE}" type="slidenum">
+            <a:fld id="{AD8D5AA5-7F7C-4420-9A08-B7525530E0D0}" type="slidenum">
               <a:rPr lang="zh-CN" altLang="en-US" smtClean="0"/>
               <a:t>‹#›</a:t>
             </a:fld>
@@ -2726,7 +2726,7 @@
     </p:spTree>
     <p:extLst>
       <p:ext uri="{BB962C8B-B14F-4D97-AF65-F5344CB8AC3E}">
-        <p14:creationId xmlns:p14="http://schemas.microsoft.com/office/powerpoint/2010/main" val="403470918"/>
+        <p14:creationId xmlns:p14="http://schemas.microsoft.com/office/powerpoint/2010/main" val="2157598230"/>
       </p:ext>
     </p:extLst>
   </p:cSld>
@@ -2763,7 +2763,7 @@
           <p:cNvPr id="2" name="标题占位符 1">
             <a:extLst>
               <a:ext uri="{FF2B5EF4-FFF2-40B4-BE49-F238E27FC236}">
-                <a16:creationId xmlns:a16="http://schemas.microsoft.com/office/drawing/2014/main" id="{432F4798-F364-F3C9-BBDE-95507BF4F0A9}"/>
+                <a16:creationId xmlns:a16="http://schemas.microsoft.com/office/drawing/2014/main" id="{7707EC0D-C2C2-F1F1-BF45-6CF94B2E7CA5}"/>
               </a:ext>
             </a:extLst>
           </p:cNvPr>
@@ -2801,7 +2801,7 @@
           <p:cNvPr id="3" name="文本占位符 2">
             <a:extLst>
               <a:ext uri="{FF2B5EF4-FFF2-40B4-BE49-F238E27FC236}">
-                <a16:creationId xmlns:a16="http://schemas.microsoft.com/office/drawing/2014/main" id="{ED622A3E-7C0A-B744-E737-725F85754B52}"/>
+                <a16:creationId xmlns:a16="http://schemas.microsoft.com/office/drawing/2014/main" id="{4AC4E544-EEF3-70BC-1AA3-521738CB53F8}"/>
               </a:ext>
             </a:extLst>
           </p:cNvPr>
@@ -2868,7 +2868,7 @@
           <p:cNvPr id="4" name="日期占位符 3">
             <a:extLst>
               <a:ext uri="{FF2B5EF4-FFF2-40B4-BE49-F238E27FC236}">
-                <a16:creationId xmlns:a16="http://schemas.microsoft.com/office/drawing/2014/main" id="{A9810AB0-B0FE-949B-F88F-48D56DFB762D}"/>
+                <a16:creationId xmlns:a16="http://schemas.microsoft.com/office/drawing/2014/main" id="{BE29B64C-8775-EFB9-2FFC-ABC6626C3A96}"/>
               </a:ext>
             </a:extLst>
           </p:cNvPr>
@@ -2902,7 +2902,7 @@
             </a:lvl1pPr>
           </a:lstStyle>
           <a:p>
-            <a:fld id="{D05E8F90-89F5-4953-AF51-9816F9F44C34}" type="datetimeFigureOut">
+            <a:fld id="{D5F4DB61-0576-4D6F-83E5-2A771DA17910}" type="datetimeFigureOut">
               <a:rPr lang="zh-CN" altLang="en-US" smtClean="0"/>
               <a:t>2024/3/10</a:t>
             </a:fld>
@@ -2915,7 +2915,7 @@
           <p:cNvPr id="5" name="页脚占位符 4">
             <a:extLst>
               <a:ext uri="{FF2B5EF4-FFF2-40B4-BE49-F238E27FC236}">
-                <a16:creationId xmlns:a16="http://schemas.microsoft.com/office/drawing/2014/main" id="{35D24371-B3C1-F451-9700-3CCB692E4C64}"/>
+                <a16:creationId xmlns:a16="http://schemas.microsoft.com/office/drawing/2014/main" id="{6470C3A8-3126-0652-7E11-EAD782BAC08C}"/>
               </a:ext>
             </a:extLst>
           </p:cNvPr>
@@ -2958,7 +2958,7 @@
           <p:cNvPr id="6" name="灯片编号占位符 5">
             <a:extLst>
               <a:ext uri="{FF2B5EF4-FFF2-40B4-BE49-F238E27FC236}">
-                <a16:creationId xmlns:a16="http://schemas.microsoft.com/office/drawing/2014/main" id="{D8AB2F9E-7114-1CEE-F7FE-FEB15814D721}"/>
+                <a16:creationId xmlns:a16="http://schemas.microsoft.com/office/drawing/2014/main" id="{B60E99DC-4D4C-49FD-AA2C-53C0495AF140}"/>
               </a:ext>
             </a:extLst>
           </p:cNvPr>
@@ -2992,7 +2992,7 @@
             </a:lvl1pPr>
           </a:lstStyle>
           <a:p>
-            <a:fld id="{57E41F43-B297-463F-BF61-1B16064345FE}" type="slidenum">
+            <a:fld id="{AD8D5AA5-7F7C-4420-9A08-B7525530E0D0}" type="slidenum">
               <a:rPr lang="zh-CN" altLang="en-US" smtClean="0"/>
               <a:t>‹#›</a:t>
             </a:fld>
@@ -3003,7 +3003,7 @@
     </p:spTree>
     <p:extLst>
       <p:ext uri="{BB962C8B-B14F-4D97-AF65-F5344CB8AC3E}">
-        <p14:creationId xmlns:p14="http://schemas.microsoft.com/office/powerpoint/2010/main" val="2082762820"/>
+        <p14:creationId xmlns:p14="http://schemas.microsoft.com/office/powerpoint/2010/main" val="4285840752"/>
       </p:ext>
     </p:extLst>
   </p:cSld>
